--- a/algothon_submission.pptx
+++ b/algothon_submission.pptx
@@ -9,10 +9,9 @@
     <p:sldId id="257" r:id="rId3"/>
     <p:sldId id="258" r:id="rId4"/>
     <p:sldId id="262" r:id="rId5"/>
-    <p:sldId id="259" r:id="rId6"/>
-    <p:sldId id="260" r:id="rId7"/>
+    <p:sldId id="260" r:id="rId6"/>
+    <p:sldId id="263" r:id="rId7"/>
     <p:sldId id="261" r:id="rId8"/>
-    <p:sldId id="263" r:id="rId9"/>
   </p:sldIdLst>
   <p:sldSz cx="12192000" cy="6858000"/>
   <p:notesSz cx="6858000" cy="9144000"/>
@@ -3349,32 +3348,61 @@
           <a:bodyPr/>
           <a:lstStyle/>
           <a:p>
+            <a:r>
+              <a:rPr lang="en-US" dirty="0"/>
+              <a:t>Bl0ke Chain</a:t>
+            </a:r>
+          </a:p>
+        </p:txBody>
+      </p:sp>
+      <p:sp>
+        <p:nvSpPr>
+          <p:cNvPr id="3" name="Subtitle 2">
+            <a:extLst>
+              <a:ext uri="{FF2B5EF4-FFF2-40B4-BE49-F238E27FC236}">
+                <a16:creationId xmlns:a16="http://schemas.microsoft.com/office/drawing/2014/main" id="{B90D10F6-CC49-C348-A5CE-2B237C69649B}"/>
+              </a:ext>
+            </a:extLst>
+          </p:cNvPr>
+          <p:cNvSpPr>
+            <a:spLocks noGrp="1"/>
+          </p:cNvSpPr>
+          <p:nvPr>
+            <p:ph type="subTitle" idx="1"/>
+          </p:nvPr>
+        </p:nvSpPr>
+        <p:spPr/>
+        <p:txBody>
+          <a:bodyPr>
+            <a:normAutofit lnSpcReduction="10000"/>
+          </a:bodyPr>
+          <a:lstStyle/>
+          <a:p>
+            <a:r>
+              <a:rPr lang="en-US" dirty="0"/>
+              <a:t>Theme: Supplier them</a:t>
+            </a:r>
+          </a:p>
+          <a:p>
+            <a:r>
+              <a:rPr lang="en-US" dirty="0"/>
+              <a:t>Datasets: Global Supply Chain Relationships </a:t>
+            </a:r>
+          </a:p>
+          <a:p>
+            <a:r>
+              <a:rPr lang="en-US" dirty="0"/>
+              <a:t>, Supplier Implied Risk Attributes</a:t>
+            </a:r>
+          </a:p>
+          <a:p>
+            <a:r>
+              <a:rPr lang="en-US" dirty="0"/>
+              <a:t>, Market US End of Day</a:t>
+            </a:r>
+          </a:p>
+          <a:p>
             <a:endParaRPr lang="en-US" dirty="0"/>
-          </a:p>
-        </p:txBody>
-      </p:sp>
-      <p:sp>
-        <p:nvSpPr>
-          <p:cNvPr id="3" name="Subtitle 2">
-            <a:extLst>
-              <a:ext uri="{FF2B5EF4-FFF2-40B4-BE49-F238E27FC236}">
-                <a16:creationId xmlns:a16="http://schemas.microsoft.com/office/drawing/2014/main" id="{B90D10F6-CC49-C348-A5CE-2B237C69649B}"/>
-              </a:ext>
-            </a:extLst>
-          </p:cNvPr>
-          <p:cNvSpPr>
-            <a:spLocks noGrp="1"/>
-          </p:cNvSpPr>
-          <p:nvPr>
-            <p:ph type="subTitle" idx="1"/>
-          </p:nvPr>
-        </p:nvSpPr>
-        <p:spPr/>
-        <p:txBody>
-          <a:bodyPr/>
-          <a:lstStyle/>
-          <a:p>
-            <a:endParaRPr lang="en-US"/>
           </a:p>
         </p:txBody>
       </p:sp>
@@ -4369,122 +4397,6 @@
           <p:cNvPr id="2" name="Title 1">
             <a:extLst>
               <a:ext uri="{FF2B5EF4-FFF2-40B4-BE49-F238E27FC236}">
-                <a16:creationId xmlns:a16="http://schemas.microsoft.com/office/drawing/2014/main" id="{EF1932BB-59CA-0048-8FCA-B284F0EDDCEB}"/>
-              </a:ext>
-            </a:extLst>
-          </p:cNvPr>
-          <p:cNvSpPr>
-            <a:spLocks noGrp="1"/>
-          </p:cNvSpPr>
-          <p:nvPr>
-            <p:ph type="title"/>
-          </p:nvPr>
-        </p:nvSpPr>
-        <p:spPr/>
-        <p:txBody>
-          <a:bodyPr/>
-          <a:lstStyle/>
-          <a:p>
-            <a:endParaRPr lang="en-US"/>
-          </a:p>
-        </p:txBody>
-      </p:sp>
-      <p:sp>
-        <p:nvSpPr>
-          <p:cNvPr id="3" name="Content Placeholder 2">
-            <a:extLst>
-              <a:ext uri="{FF2B5EF4-FFF2-40B4-BE49-F238E27FC236}">
-                <a16:creationId xmlns:a16="http://schemas.microsoft.com/office/drawing/2014/main" id="{42BF4CE4-7F71-E24C-9357-D9A07596040E}"/>
-              </a:ext>
-            </a:extLst>
-          </p:cNvPr>
-          <p:cNvSpPr>
-            <a:spLocks noGrp="1"/>
-          </p:cNvSpPr>
-          <p:nvPr>
-            <p:ph idx="1"/>
-          </p:nvPr>
-        </p:nvSpPr>
-        <p:spPr/>
-        <p:txBody>
-          <a:bodyPr/>
-          <a:lstStyle/>
-          <a:p>
-            <a:r>
-              <a:rPr lang="en-US" dirty="0" err="1"/>
-              <a:t>Backtest</a:t>
-            </a:r>
-            <a:r>
-              <a:rPr lang="en-US" dirty="0"/>
-              <a:t> </a:t>
-            </a:r>
-            <a:r>
-              <a:rPr lang="en-US" dirty="0" err="1"/>
-              <a:t>tearsheets</a:t>
-            </a:r>
-            <a:endParaRPr lang="en-US" dirty="0"/>
-          </a:p>
-          <a:p>
-            <a:r>
-              <a:rPr lang="en-US" dirty="0"/>
-              <a:t>Feature importance, confusion matrix</a:t>
-            </a:r>
-          </a:p>
-          <a:p>
-            <a:r>
-              <a:rPr lang="en-US" dirty="0"/>
-              <a:t>Baseline models by dropping feature sets {risk, momentum, supply chain(mixed with momentum)}</a:t>
-            </a:r>
-          </a:p>
-          <a:p>
-            <a:r>
-              <a:rPr lang="en-US" dirty="0"/>
-              <a:t>Describe ml pipeline</a:t>
-            </a:r>
-          </a:p>
-          <a:p>
-            <a:endParaRPr lang="en-US" dirty="0"/>
-          </a:p>
-          <a:p>
-            <a:endParaRPr lang="en-US" dirty="0"/>
-          </a:p>
-        </p:txBody>
-      </p:sp>
-    </p:spTree>
-    <p:extLst>
-      <p:ext uri="{BB962C8B-B14F-4D97-AF65-F5344CB8AC3E}">
-        <p14:creationId xmlns:p14="http://schemas.microsoft.com/office/powerpoint/2010/main" val="3685902217"/>
-      </p:ext>
-    </p:extLst>
-  </p:cSld>
-  <p:clrMapOvr>
-    <a:masterClrMapping/>
-  </p:clrMapOvr>
-</p:sld>
-</file>
-
-<file path=ppt/slides/slide6.xml><?xml version="1.0" encoding="utf-8"?>
-<p:sld xmlns:a="http://schemas.openxmlformats.org/drawingml/2006/main" xmlns:r="http://schemas.openxmlformats.org/officeDocument/2006/relationships" xmlns:p="http://schemas.openxmlformats.org/presentationml/2006/main">
-  <p:cSld>
-    <p:spTree>
-      <p:nvGrpSpPr>
-        <p:cNvPr id="1" name=""/>
-        <p:cNvGrpSpPr/>
-        <p:nvPr/>
-      </p:nvGrpSpPr>
-      <p:grpSpPr>
-        <a:xfrm>
-          <a:off x="0" y="0"/>
-          <a:ext cx="0" cy="0"/>
-          <a:chOff x="0" y="0"/>
-          <a:chExt cx="0" cy="0"/>
-        </a:xfrm>
-      </p:grpSpPr>
-      <p:sp>
-        <p:nvSpPr>
-          <p:cNvPr id="2" name="Title 1">
-            <a:extLst>
-              <a:ext uri="{FF2B5EF4-FFF2-40B4-BE49-F238E27FC236}">
                 <a16:creationId xmlns:a16="http://schemas.microsoft.com/office/drawing/2014/main" id="{B6B809C2-B090-8048-A82B-C5ACD507DC61}"/>
               </a:ext>
             </a:extLst>
@@ -4927,6 +4839,64 @@
 </p:sld>
 </file>
 
+<file path=ppt/slides/slide6.xml><?xml version="1.0" encoding="utf-8"?>
+<p:sld xmlns:a="http://schemas.openxmlformats.org/drawingml/2006/main" xmlns:r="http://schemas.openxmlformats.org/officeDocument/2006/relationships" xmlns:p="http://schemas.openxmlformats.org/presentationml/2006/main">
+  <p:cSld>
+    <p:spTree>
+      <p:nvGrpSpPr>
+        <p:cNvPr id="1" name=""/>
+        <p:cNvGrpSpPr/>
+        <p:nvPr/>
+      </p:nvGrpSpPr>
+      <p:grpSpPr>
+        <a:xfrm>
+          <a:off x="0" y="0"/>
+          <a:ext cx="0" cy="0"/>
+          <a:chOff x="0" y="0"/>
+          <a:chExt cx="0" cy="0"/>
+        </a:xfrm>
+      </p:grpSpPr>
+      <p:pic>
+        <p:nvPicPr>
+          <p:cNvPr id="5" name="Content Placeholder 4">
+            <a:extLst>
+              <a:ext uri="{FF2B5EF4-FFF2-40B4-BE49-F238E27FC236}">
+                <a16:creationId xmlns:a16="http://schemas.microsoft.com/office/drawing/2014/main" id="{478DAF25-1303-C541-9EFC-FC114B28EB40}"/>
+              </a:ext>
+            </a:extLst>
+          </p:cNvPr>
+          <p:cNvPicPr>
+            <a:picLocks noGrp="1" noChangeAspect="1"/>
+          </p:cNvPicPr>
+          <p:nvPr>
+            <p:ph idx="1"/>
+          </p:nvPr>
+        </p:nvPicPr>
+        <p:blipFill rotWithShape="1">
+          <a:blip r:embed="rId2"/>
+          <a:srcRect l="28441"/>
+          <a:stretch/>
+        </p:blipFill>
+        <p:spPr>
+          <a:xfrm>
+            <a:off x="2277686" y="206039"/>
+            <a:ext cx="7948059" cy="6336077"/>
+          </a:xfrm>
+        </p:spPr>
+      </p:pic>
+    </p:spTree>
+    <p:extLst>
+      <p:ext uri="{BB962C8B-B14F-4D97-AF65-F5344CB8AC3E}">
+        <p14:creationId xmlns:p14="http://schemas.microsoft.com/office/powerpoint/2010/main" val="836110589"/>
+      </p:ext>
+    </p:extLst>
+  </p:cSld>
+  <p:clrMapOvr>
+    <a:masterClrMapping/>
+  </p:clrMapOvr>
+</p:sld>
+</file>
+
 <file path=ppt/slides/slide7.xml><?xml version="1.0" encoding="utf-8"?>
 <p:sld xmlns:a="http://schemas.openxmlformats.org/drawingml/2006/main" xmlns:r="http://schemas.openxmlformats.org/officeDocument/2006/relationships" xmlns:p="http://schemas.openxmlformats.org/presentationml/2006/main">
   <p:cSld>
@@ -4973,150 +4943,48 @@
           </a:p>
         </p:txBody>
       </p:sp>
-      <p:pic>
-        <p:nvPicPr>
-          <p:cNvPr id="9" name="Picture 8">
-            <a:extLst>
-              <a:ext uri="{FF2B5EF4-FFF2-40B4-BE49-F238E27FC236}">
-                <a16:creationId xmlns:a16="http://schemas.microsoft.com/office/drawing/2014/main" id="{6AC799D5-412C-5142-B36F-BF57B30C8B19}"/>
-              </a:ext>
-            </a:extLst>
-          </p:cNvPr>
-          <p:cNvPicPr>
-            <a:picLocks noChangeAspect="1"/>
-          </p:cNvPicPr>
+      <p:sp>
+        <p:nvSpPr>
+          <p:cNvPr id="12" name="TextBox 11">
+            <a:extLst>
+              <a:ext uri="{FF2B5EF4-FFF2-40B4-BE49-F238E27FC236}">
+                <a16:creationId xmlns:a16="http://schemas.microsoft.com/office/drawing/2014/main" id="{4EAEDB69-F1CD-1540-9CCC-AC4D90A7C941}"/>
+              </a:ext>
+            </a:extLst>
+          </p:cNvPr>
+          <p:cNvSpPr txBox="1"/>
           <p:nvPr/>
-        </p:nvPicPr>
-        <p:blipFill>
-          <a:blip r:embed="rId2"/>
-          <a:stretch>
-            <a:fillRect/>
-          </a:stretch>
-        </p:blipFill>
+        </p:nvSpPr>
         <p:spPr>
           <a:xfrm>
-            <a:off x="517000" y="2022440"/>
-            <a:ext cx="3565925" cy="2847139"/>
+            <a:off x="838200" y="1995055"/>
+            <a:ext cx="7734553" cy="369332"/>
           </a:xfrm>
           <a:prstGeom prst="rect">
             <a:avLst/>
           </a:prstGeom>
+          <a:noFill/>
         </p:spPr>
-      </p:pic>
-      <p:pic>
-        <p:nvPicPr>
-          <p:cNvPr id="11" name="Picture 10">
-            <a:extLst>
-              <a:ext uri="{FF2B5EF4-FFF2-40B4-BE49-F238E27FC236}">
-                <a16:creationId xmlns:a16="http://schemas.microsoft.com/office/drawing/2014/main" id="{0B3C21D4-B212-B544-9115-17D7A95BE76E}"/>
-              </a:ext>
-            </a:extLst>
-          </p:cNvPr>
-          <p:cNvPicPr>
-            <a:picLocks noChangeAspect="1"/>
-          </p:cNvPicPr>
-          <p:nvPr/>
-        </p:nvPicPr>
-        <p:blipFill>
-          <a:blip r:embed="rId3"/>
-          <a:stretch>
-            <a:fillRect/>
-          </a:stretch>
-        </p:blipFill>
-        <p:spPr>
-          <a:xfrm>
-            <a:off x="3873723" y="1783312"/>
-            <a:ext cx="8318277" cy="3325394"/>
-          </a:xfrm>
-          <a:prstGeom prst="rect">
-            <a:avLst/>
-          </a:prstGeom>
-        </p:spPr>
-      </p:pic>
+        <p:txBody>
+          <a:bodyPr wrap="none" rtlCol="0">
+            <a:spAutoFit/>
+          </a:bodyPr>
+          <a:lstStyle/>
+          <a:p>
+            <a:r>
+              <a:rPr lang="en-GB" dirty="0">
+                <a:hlinkClick r:id="rId2"/>
+              </a:rPr>
+              <a:t>https://www.quantopian.com/posts/algothon2019-supplychain-and-governance</a:t>
+            </a:r>
+            <a:endParaRPr lang="en-US" dirty="0"/>
+          </a:p>
+        </p:txBody>
+      </p:sp>
     </p:spTree>
     <p:extLst>
       <p:ext uri="{BB962C8B-B14F-4D97-AF65-F5344CB8AC3E}">
         <p14:creationId xmlns:p14="http://schemas.microsoft.com/office/powerpoint/2010/main" val="1041790863"/>
-      </p:ext>
-    </p:extLst>
-  </p:cSld>
-  <p:clrMapOvr>
-    <a:masterClrMapping/>
-  </p:clrMapOvr>
-</p:sld>
-</file>
-
-<file path=ppt/slides/slide8.xml><?xml version="1.0" encoding="utf-8"?>
-<p:sld xmlns:a="http://schemas.openxmlformats.org/drawingml/2006/main" xmlns:r="http://schemas.openxmlformats.org/officeDocument/2006/relationships" xmlns:p="http://schemas.openxmlformats.org/presentationml/2006/main">
-  <p:cSld>
-    <p:spTree>
-      <p:nvGrpSpPr>
-        <p:cNvPr id="1" name=""/>
-        <p:cNvGrpSpPr/>
-        <p:nvPr/>
-      </p:nvGrpSpPr>
-      <p:grpSpPr>
-        <a:xfrm>
-          <a:off x="0" y="0"/>
-          <a:ext cx="0" cy="0"/>
-          <a:chOff x="0" y="0"/>
-          <a:chExt cx="0" cy="0"/>
-        </a:xfrm>
-      </p:grpSpPr>
-      <p:sp>
-        <p:nvSpPr>
-          <p:cNvPr id="2" name="Title 1">
-            <a:extLst>
-              <a:ext uri="{FF2B5EF4-FFF2-40B4-BE49-F238E27FC236}">
-                <a16:creationId xmlns:a16="http://schemas.microsoft.com/office/drawing/2014/main" id="{C6DC1DD3-BB4E-304C-90B0-FFC23EF904F7}"/>
-              </a:ext>
-            </a:extLst>
-          </p:cNvPr>
-          <p:cNvSpPr>
-            <a:spLocks noGrp="1"/>
-          </p:cNvSpPr>
-          <p:nvPr>
-            <p:ph type="title"/>
-          </p:nvPr>
-        </p:nvSpPr>
-        <p:spPr/>
-        <p:txBody>
-          <a:bodyPr/>
-          <a:lstStyle/>
-          <a:p>
-            <a:endParaRPr lang="en-US"/>
-          </a:p>
-        </p:txBody>
-      </p:sp>
-      <p:sp>
-        <p:nvSpPr>
-          <p:cNvPr id="3" name="Content Placeholder 2">
-            <a:extLst>
-              <a:ext uri="{FF2B5EF4-FFF2-40B4-BE49-F238E27FC236}">
-                <a16:creationId xmlns:a16="http://schemas.microsoft.com/office/drawing/2014/main" id="{117BC5D1-6667-4C4C-BA10-07504E24DF41}"/>
-              </a:ext>
-            </a:extLst>
-          </p:cNvPr>
-          <p:cNvSpPr>
-            <a:spLocks noGrp="1"/>
-          </p:cNvSpPr>
-          <p:nvPr>
-            <p:ph idx="1"/>
-          </p:nvPr>
-        </p:nvSpPr>
-        <p:spPr/>
-        <p:txBody>
-          <a:bodyPr/>
-          <a:lstStyle/>
-          <a:p>
-            <a:endParaRPr lang="en-US"/>
-          </a:p>
-        </p:txBody>
-      </p:sp>
-    </p:spTree>
-    <p:extLst>
-      <p:ext uri="{BB962C8B-B14F-4D97-AF65-F5344CB8AC3E}">
-        <p14:creationId xmlns:p14="http://schemas.microsoft.com/office/powerpoint/2010/main" val="423975606"/>
       </p:ext>
     </p:extLst>
   </p:cSld>

--- a/algothon_submission.pptx
+++ b/algothon_submission.pptx
@@ -110,6 +110,11 @@
       </a:defRPr>
     </a:lvl9pPr>
   </p:defaultTextStyle>
+  <p:extLst>
+    <p:ext uri="{EFAFB233-063F-42B5-8137-9DF3F51BA10A}">
+      <p15:sldGuideLst xmlns:p15="http://schemas.microsoft.com/office/powerpoint/2012/main"/>
+    </p:ext>
+  </p:extLst>
 </p:presentation>
 </file>
 
@@ -3374,13 +3379,17 @@
         <p:spPr/>
         <p:txBody>
           <a:bodyPr>
-            <a:normAutofit lnSpcReduction="10000"/>
+            <a:normAutofit fontScale="77500" lnSpcReduction="20000"/>
           </a:bodyPr>
           <a:lstStyle/>
           <a:p>
             <a:r>
               <a:rPr lang="en-US" dirty="0"/>
-              <a:t>Theme: Supplier them</a:t>
+              <a:t>Theme: </a:t>
+            </a:r>
+            <a:r>
+              <a:rPr lang="en-GB" b="1" dirty="0"/>
+              <a:t>Theme 2: Supply Chain networks</a:t>
             </a:r>
           </a:p>
           <a:p>
@@ -3400,6 +3409,33 @@
               <a:rPr lang="en-US" dirty="0"/>
               <a:t>, Market US End of Day</a:t>
             </a:r>
+          </a:p>
+          <a:p>
+            <a:r>
+              <a:rPr lang="en-US" dirty="0"/>
+              <a:t>Alex </a:t>
+            </a:r>
+            <a:r>
+              <a:rPr lang="en-US" dirty="0" err="1"/>
+              <a:t>Mukhachou</a:t>
+            </a:r>
+            <a:r>
+              <a:rPr lang="en-US" dirty="0"/>
+              <a:t>, </a:t>
+            </a:r>
+            <a:r>
+              <a:rPr lang="en-US"/>
+              <a:t>King Wong , Pedro Castro, </a:t>
+            </a:r>
+            <a:r>
+              <a:rPr lang="en-US" dirty="0"/>
+              <a:t>Piotr </a:t>
+            </a:r>
+            <a:r>
+              <a:rPr lang="en-US" dirty="0" err="1"/>
+              <a:t>Kram</a:t>
+            </a:r>
+            <a:endParaRPr lang="en-US" dirty="0"/>
           </a:p>
           <a:p>
             <a:endParaRPr lang="en-US" dirty="0"/>

--- a/algothon_submission.pptx
+++ b/algothon_submission.pptx
@@ -3516,13 +3516,13 @@
             <p:ph idx="1"/>
             <p:extLst>
               <p:ext uri="{D42A27DB-BD31-4B8C-83A1-F6EECF244321}">
-                <p14:modId xmlns:p14="http://schemas.microsoft.com/office/powerpoint/2010/main" val="2313355298"/>
+                <p14:modId xmlns:p14="http://schemas.microsoft.com/office/powerpoint/2010/main" val="42176697"/>
               </p:ext>
             </p:extLst>
           </p:nvPr>
         </p:nvGraphicFramePr>
         <p:xfrm>
-          <a:off x="838200" y="1825625"/>
+          <a:off x="838200" y="2525536"/>
           <a:ext cx="10515600" cy="2291080"/>
         </p:xfrm>
         <a:graphic>
@@ -4394,6 +4394,12 @@
             </a:r>
           </a:p>
           <a:p>
+            <a:r>
+              <a:rPr lang="en-US" dirty="0"/>
+              <a:t>sales</a:t>
+            </a:r>
+          </a:p>
+          <a:p>
             <a:endParaRPr lang="en-US" dirty="0"/>
           </a:p>
         </p:txBody>
@@ -4915,11 +4921,46 @@
         </p:blipFill>
         <p:spPr>
           <a:xfrm>
-            <a:off x="2277686" y="206039"/>
+            <a:off x="4151641" y="296350"/>
             <a:ext cx="7948059" cy="6336077"/>
           </a:xfrm>
         </p:spPr>
       </p:pic>
+      <p:sp>
+        <p:nvSpPr>
+          <p:cNvPr id="2" name="TextBox 1">
+            <a:extLst>
+              <a:ext uri="{FF2B5EF4-FFF2-40B4-BE49-F238E27FC236}">
+                <a16:creationId xmlns:a16="http://schemas.microsoft.com/office/drawing/2014/main" id="{B2394A07-5236-8643-B982-160A73FFC0CF}"/>
+              </a:ext>
+            </a:extLst>
+          </p:cNvPr>
+          <p:cNvSpPr txBox="1"/>
+          <p:nvPr/>
+        </p:nvSpPr>
+        <p:spPr>
+          <a:xfrm>
+            <a:off x="1309512" y="2799645"/>
+            <a:ext cx="2106602" cy="369332"/>
+          </a:xfrm>
+          <a:prstGeom prst="rect">
+            <a:avLst/>
+          </a:prstGeom>
+          <a:noFill/>
+        </p:spPr>
+        <p:txBody>
+          <a:bodyPr wrap="none" rtlCol="0">
+            <a:spAutoFit/>
+          </a:bodyPr>
+          <a:lstStyle/>
+          <a:p>
+            <a:r>
+              <a:rPr lang="en-US" dirty="0"/>
+              <a:t>Accuracy Score: 56%</a:t>
+            </a:r>
+          </a:p>
+        </p:txBody>
+      </p:sp>
     </p:spTree>
     <p:extLst>
       <p:ext uri="{BB962C8B-B14F-4D97-AF65-F5344CB8AC3E}">

--- a/algothon_submission.pptx
+++ b/algothon_submission.pptx
@@ -4940,8 +4940,8 @@
         </p:nvSpPr>
         <p:spPr>
           <a:xfrm>
-            <a:off x="1309512" y="2799645"/>
-            <a:ext cx="2106602" cy="369332"/>
+            <a:off x="508001" y="2777067"/>
+            <a:ext cx="4578433" cy="646331"/>
           </a:xfrm>
           <a:prstGeom prst="rect">
             <a:avLst/>
@@ -4956,7 +4956,13 @@
           <a:p>
             <a:r>
               <a:rPr lang="en-US" dirty="0"/>
-              <a:t>Accuracy Score: 56%</a:t>
+              <a:t>Accuracy Score: 56% of testing set (2019 data)</a:t>
+            </a:r>
+          </a:p>
+          <a:p>
+            <a:r>
+              <a:rPr lang="en-US" dirty="0"/>
+              <a:t>with a trained model based on 2010-2018 data</a:t>
             </a:r>
           </a:p>
         </p:txBody>
